--- a/2. Power BI Governance/2.2 Power BI Governance - What.pptx
+++ b/2. Power BI Governance/2.2 Power BI Governance - What.pptx
@@ -138,7 +138,7 @@
 <file path=ppt/revisionInfo.xml><?xml version="1.0" encoding="utf-8"?>
 <p1510:revInfo xmlns:a="http://schemas.openxmlformats.org/drawingml/2006/main" xmlns:r="http://schemas.openxmlformats.org/officeDocument/2006/relationships" xmlns:p1510="http://schemas.microsoft.com/office/powerpoint/2015/10/main">
   <p1510:revLst>
-    <p1510:client id="{9FF8D8C9-5CE6-414B-8C34-6E2F6433C6CA}" v="17" dt="2019-11-08T17:04:09.861"/>
+    <p1510:client id="{9FF8D8C9-5CE6-414B-8C34-6E2F6433C6CA}" v="18" dt="2019-11-08T18:07:34.597"/>
   </p1510:revLst>
 </p1510:revInfo>
 </file>
@@ -20637,7 +20637,10 @@
           <a:bodyPr/>
           <a:lstStyle/>
           <a:p>
-            <a:endParaRPr lang="en-GB"/>
+            <a:r>
+              <a:rPr lang="en-GB"/>
+              <a:t>Thank you</a:t>
+            </a:r>
           </a:p>
         </p:txBody>
       </p:sp>
@@ -20651,13 +20654,13 @@
   <p:clrMapOvr>
     <a:masterClrMapping/>
   </p:clrMapOvr>
-  <mc:AlternateContent xmlns:mc="http://schemas.openxmlformats.org/markup-compatibility/2006">
-    <mc:Choice xmlns:p14="http://schemas.microsoft.com/office/powerpoint/2010/main" Requires="p14">
+  <mc:AlternateContent xmlns:mc="http://schemas.openxmlformats.org/markup-compatibility/2006" xmlns:p14="http://schemas.microsoft.com/office/powerpoint/2010/main">
+    <mc:Choice Requires="p14">
       <p:transition spd="med" p14:dur="700">
         <p:fade/>
       </p:transition>
     </mc:Choice>
-    <mc:Fallback>
+    <mc:Fallback xmlns="">
       <p:transition spd="med">
         <p:fade/>
       </p:transition>
@@ -22205,17 +22208,8 @@
 </file>
 
 <file path=customXml/item2.xml><?xml version="1.0" encoding="utf-8"?>
-<?mso-contentType ?>
-<FormTemplates xmlns="http://schemas.microsoft.com/sharepoint/v3/contenttype/forms">
-  <Display>DocumentLibraryForm</Display>
-  <Edit>DocumentLibraryForm</Edit>
-  <New>DocumentLibraryForm</New>
-</FormTemplates>
-</file>
-
-<file path=customXml/item3.xml><?xml version="1.0" encoding="utf-8"?>
-<ct:contentTypeSchema xmlns:ct="http://schemas.microsoft.com/office/2006/metadata/contentType" xmlns:ma="http://schemas.microsoft.com/office/2006/metadata/properties/metaAttributes" ct:_="" ma:_="" ma:contentTypeName="Document" ma:contentTypeID="0x0101004637B333D9039F42B4A841E7D21AD3E7" ma:contentTypeVersion="5" ma:contentTypeDescription="Create a new document." ma:contentTypeScope="" ma:versionID="1f59f1658d780e0b4c7f1ae8a5e1509b">
-  <xsd:schema xmlns:xsd="http://www.w3.org/2001/XMLSchema" xmlns:xs="http://www.w3.org/2001/XMLSchema" xmlns:p="http://schemas.microsoft.com/office/2006/metadata/properties" xmlns:ns2="3520180a-3b72-4868-9ddb-261d82f11a91" targetNamespace="http://schemas.microsoft.com/office/2006/metadata/properties" ma:root="true" ma:fieldsID="e8c07af3b0c20b254d99977dc4d26b0c" ns2:_="">
+<ct:contentTypeSchema xmlns:ct="http://schemas.microsoft.com/office/2006/metadata/contentType" xmlns:ma="http://schemas.microsoft.com/office/2006/metadata/properties/metaAttributes" ct:_="" ma:_="" ma:contentTypeName="Document" ma:contentTypeID="0x0101004637B333D9039F42B4A841E7D21AD3E7" ma:contentTypeVersion="7" ma:contentTypeDescription="Create a new document." ma:contentTypeScope="" ma:versionID="385892ca22301f732aa61e9e24b0427a">
+  <xsd:schema xmlns:xsd="http://www.w3.org/2001/XMLSchema" xmlns:xs="http://www.w3.org/2001/XMLSchema" xmlns:p="http://schemas.microsoft.com/office/2006/metadata/properties" xmlns:ns2="3520180a-3b72-4868-9ddb-261d82f11a91" targetNamespace="http://schemas.microsoft.com/office/2006/metadata/properties" ma:root="true" ma:fieldsID="524886d73bd9f25fcf95cbf5af8c08e0" ns2:_="">
     <xsd:import namespace="3520180a-3b72-4868-9ddb-261d82f11a91"/>
     <xsd:element name="properties">
       <xsd:complexType>
@@ -22228,6 +22222,8 @@
                 <xsd:element ref="ns2:MediaServiceDateTaken" minOccurs="0"/>
                 <xsd:element ref="ns2:MediaServiceAutoKeyPoints" minOccurs="0"/>
                 <xsd:element ref="ns2:MediaServiceKeyPoints" minOccurs="0"/>
+                <xsd:element ref="ns2:MediaServiceAutoTags" minOccurs="0"/>
+                <xsd:element ref="ns2:MediaServiceOCR" minOccurs="0"/>
               </xsd:all>
             </xsd:complexType>
           </xsd:element>
@@ -22259,6 +22255,18 @@
       </xsd:simpleType>
     </xsd:element>
     <xsd:element name="MediaServiceKeyPoints" ma:index="12" nillable="true" ma:displayName="KeyPoints" ma:internalName="MediaServiceKeyPoints" ma:readOnly="true">
+      <xsd:simpleType>
+        <xsd:restriction base="dms:Note">
+          <xsd:maxLength value="255"/>
+        </xsd:restriction>
+      </xsd:simpleType>
+    </xsd:element>
+    <xsd:element name="MediaServiceAutoTags" ma:index="13" nillable="true" ma:displayName="Tags" ma:internalName="MediaServiceAutoTags" ma:readOnly="true">
+      <xsd:simpleType>
+        <xsd:restriction base="dms:Text"/>
+      </xsd:simpleType>
+    </xsd:element>
+    <xsd:element name="MediaServiceOCR" ma:index="14" nillable="true" ma:displayName="Extracted Text" ma:internalName="MediaServiceOCR" ma:readOnly="true">
       <xsd:simpleType>
         <xsd:restriction base="dms:Note">
           <xsd:maxLength value="255"/>
@@ -22365,6 +22373,15 @@
 </ct:contentTypeSchema>
 </file>
 
+<file path=customXml/item3.xml><?xml version="1.0" encoding="utf-8"?>
+<?mso-contentType ?>
+<FormTemplates xmlns="http://schemas.microsoft.com/sharepoint/v3/contenttype/forms">
+  <Display>DocumentLibraryForm</Display>
+  <Edit>DocumentLibraryForm</Edit>
+  <New>DocumentLibraryForm</New>
+</FormTemplates>
+</file>
+
 <file path=customXml/itemProps1.xml><?xml version="1.0" encoding="utf-8"?>
 <ds:datastoreItem xmlns:ds="http://schemas.openxmlformats.org/officeDocument/2006/customXml" ds:itemID="{5148A5D7-FD0D-4497-ADB2-773C6533B2F9}">
   <ds:schemaRefs>
@@ -22375,15 +22392,7 @@
 </file>
 
 <file path=customXml/itemProps2.xml><?xml version="1.0" encoding="utf-8"?>
-<ds:datastoreItem xmlns:ds="http://schemas.openxmlformats.org/officeDocument/2006/customXml" ds:itemID="{DE526520-222D-4E7B-A419-9D8181B2C454}">
-  <ds:schemaRefs>
-    <ds:schemaRef ds:uri="http://schemas.microsoft.com/sharepoint/v3/contenttype/forms"/>
-  </ds:schemaRefs>
-</ds:datastoreItem>
-</file>
-
-<file path=customXml/itemProps3.xml><?xml version="1.0" encoding="utf-8"?>
-<ds:datastoreItem xmlns:ds="http://schemas.openxmlformats.org/officeDocument/2006/customXml" ds:itemID="{0B5A1C82-D23F-4062-AB7F-77022CC4AC65}">
+<ds:datastoreItem xmlns:ds="http://schemas.openxmlformats.org/officeDocument/2006/customXml" ds:itemID="{B33BA0E6-D7D9-4B09-BD1D-370DDC52D19F}">
   <ds:schemaRefs>
     <ds:schemaRef ds:uri="http://schemas.microsoft.com/office/2006/metadata/contentType"/>
     <ds:schemaRef ds:uri="http://schemas.microsoft.com/office/2006/metadata/properties/metaAttributes"/>
@@ -22398,4 +22407,12 @@
     <ds:schemaRef ds:uri="http://schemas.microsoft.com/internal/obd"/>
   </ds:schemaRefs>
 </ds:datastoreItem>
+</file>
+
+<file path=customXml/itemProps3.xml><?xml version="1.0" encoding="utf-8"?>
+<ds:datastoreItem xmlns:ds="http://schemas.openxmlformats.org/officeDocument/2006/customXml" ds:itemID="{DE526520-222D-4E7B-A419-9D8181B2C454}">
+  <ds:schemaRefs>
+    <ds:schemaRef ds:uri="http://schemas.microsoft.com/sharepoint/v3/contenttype/forms"/>
+  </ds:schemaRefs>
+</ds:datastoreItem>
 </file>